--- a/Later/Lambda/18.1/Java Method References.pptx
+++ b/Later/Lambda/18.1/Java Method References.pptx
@@ -3957,7 +3957,86 @@
               <a:rPr lang="en-US" sz="1200" dirty="0"/>
               <a:t>time when you are using lambda expression to just referring a method, you can replace your lambda expression with method reference. </a:t>
             </a:r>
-            <a:endParaRPr lang="en-US" sz="1200" dirty="0"/>
+          </a:p>
+        </p:txBody>
+      </p:sp>
+      <p:cxnSp>
+        <p:nvCxnSpPr>
+          <p:cNvPr id="8" name="Elbow Connector 7"/>
+          <p:cNvCxnSpPr/>
+          <p:nvPr/>
+        </p:nvCxnSpPr>
+        <p:spPr>
+          <a:xfrm rot="10800000">
+            <a:off x="1447801" y="1647825"/>
+            <a:ext cx="1219200" cy="533400"/>
+          </a:xfrm>
+          <a:prstGeom prst="bentConnector3">
+            <a:avLst>
+              <a:gd name="adj1" fmla="val 1563"/>
+            </a:avLst>
+          </a:prstGeom>
+          <a:ln>
+            <a:tailEnd type="arrow"/>
+          </a:ln>
+        </p:spPr>
+        <p:style>
+          <a:lnRef idx="2">
+            <a:schemeClr val="accent4"/>
+          </a:lnRef>
+          <a:fillRef idx="0">
+            <a:schemeClr val="accent4"/>
+          </a:fillRef>
+          <a:effectRef idx="1">
+            <a:schemeClr val="accent4"/>
+          </a:effectRef>
+          <a:fontRef idx="minor">
+            <a:schemeClr val="tx1"/>
+          </a:fontRef>
+        </p:style>
+      </p:cxnSp>
+      <p:sp>
+        <p:nvSpPr>
+          <p:cNvPr id="20" name="Oval Callout 19"/>
+          <p:cNvSpPr/>
+          <p:nvPr/>
+        </p:nvSpPr>
+        <p:spPr>
+          <a:xfrm>
+            <a:off x="2714625" y="1168591"/>
+            <a:ext cx="1076325" cy="612648"/>
+          </a:xfrm>
+          <a:prstGeom prst="wedgeEllipseCallout">
+            <a:avLst>
+              <a:gd name="adj1" fmla="val -55420"/>
+              <a:gd name="adj2" fmla="val 73383"/>
+            </a:avLst>
+          </a:prstGeom>
+        </p:spPr>
+        <p:style>
+          <a:lnRef idx="1">
+            <a:schemeClr val="accent6"/>
+          </a:lnRef>
+          <a:fillRef idx="2">
+            <a:schemeClr val="accent6"/>
+          </a:fillRef>
+          <a:effectRef idx="1">
+            <a:schemeClr val="accent6"/>
+          </a:effectRef>
+          <a:fontRef idx="minor">
+            <a:schemeClr val="dk1"/>
+          </a:fontRef>
+        </p:style>
+        <p:txBody>
+          <a:bodyPr rtlCol="0" anchor="ctr"/>
+          <a:lstStyle/>
+          <a:p>
+            <a:pPr algn="ctr"/>
+            <a:r>
+              <a:rPr lang="en-US" sz="1050" dirty="0" smtClean="0"/>
+              <a:t>Referring</a:t>
+            </a:r>
+            <a:endParaRPr lang="en-US" sz="1050" dirty="0"/>
           </a:p>
         </p:txBody>
       </p:sp>

--- a/Later/Lambda/18.1/Java Method References.pptx
+++ b/Later/Lambda/18.1/Java Method References.pptx
@@ -3663,7 +3663,7 @@
       </p:grpSpPr>
       <p:pic>
         <p:nvPicPr>
-          <p:cNvPr id="1027" name="Picture 3"/>
+          <p:cNvPr id="1026" name="Picture 2"/>
           <p:cNvPicPr>
             <a:picLocks noChangeAspect="1" noChangeArrowheads="1"/>
           </p:cNvPicPr>
@@ -3684,23 +3684,23 @@
         </p:blipFill>
         <p:spPr bwMode="auto">
           <a:xfrm>
-            <a:off x="155575" y="1066799"/>
-            <a:ext cx="4029075" cy="3133725"/>
+            <a:off x="138113" y="914400"/>
+            <a:ext cx="4545005" cy="3714750"/>
           </a:xfrm>
           <a:prstGeom prst="rect">
             <a:avLst/>
           </a:prstGeom>
-          <a:ln w="3175"/>
+          <a:ln/>
         </p:spPr>
         <p:style>
-          <a:lnRef idx="2">
-            <a:schemeClr val="accent4"/>
+          <a:lnRef idx="1">
+            <a:schemeClr val="accent5"/>
           </a:lnRef>
-          <a:fillRef idx="1">
-            <a:schemeClr val="lt1"/>
+          <a:fillRef idx="2">
+            <a:schemeClr val="accent5"/>
           </a:fillRef>
-          <a:effectRef idx="0">
-            <a:schemeClr val="accent4"/>
+          <a:effectRef idx="1">
+            <a:schemeClr val="accent5"/>
           </a:effectRef>
           <a:fontRef idx="minor">
             <a:schemeClr val="dk1"/>
@@ -3880,8 +3880,8 @@
           </a:xfrm>
           <a:prstGeom prst="wedgeRoundRectCallout">
             <a:avLst>
-              <a:gd name="adj1" fmla="val -84558"/>
-              <a:gd name="adj2" fmla="val 31758"/>
+              <a:gd name="adj1" fmla="val -92646"/>
+              <a:gd name="adj2" fmla="val 51919"/>
               <a:gd name="adj3" fmla="val 16667"/>
             </a:avLst>
           </a:prstGeom>
@@ -3968,12 +3968,12 @@
         </p:nvCxnSpPr>
         <p:spPr>
           <a:xfrm rot="10800000">
-            <a:off x="1447801" y="1647825"/>
-            <a:ext cx="1219200" cy="533400"/>
+            <a:off x="1371601" y="2260478"/>
+            <a:ext cx="1052511" cy="635127"/>
           </a:xfrm>
           <a:prstGeom prst="bentConnector3">
             <a:avLst>
-              <a:gd name="adj1" fmla="val 1563"/>
+              <a:gd name="adj1" fmla="val 2036"/>
             </a:avLst>
           </a:prstGeom>
           <a:ln>
@@ -4003,7 +4003,7 @@
         </p:nvSpPr>
         <p:spPr>
           <a:xfrm>
-            <a:off x="2714625" y="1168591"/>
+            <a:off x="2424111" y="1781239"/>
             <a:ext cx="1076325" cy="612648"/>
           </a:xfrm>
           <a:prstGeom prst="wedgeEllipseCallout">
@@ -4253,8 +4253,8 @@
         </p:nvSpPr>
         <p:spPr>
           <a:xfrm>
-            <a:off x="1562100" y="2094725"/>
-            <a:ext cx="6172200" cy="1143000"/>
+            <a:off x="1562100" y="2094724"/>
+            <a:ext cx="6172200" cy="1334276"/>
           </a:xfrm>
           <a:prstGeom prst="rect">
             <a:avLst/>
@@ -4286,9 +4286,16 @@
             <a:endParaRPr lang="en-US" sz="1200" dirty="0" smtClean="0"/>
           </a:p>
           <a:p>
+            <a:endParaRPr lang="en-US" sz="1200" dirty="0" smtClean="0"/>
+          </a:p>
+          <a:p>
+            <a:r>
+              <a:rPr lang="en-US" sz="1200" dirty="0" smtClean="0"/>
+              <a:t>There </a:t>
+            </a:r>
             <a:r>
               <a:rPr lang="en-US" sz="1200" dirty="0"/>
-              <a:t>There are four types of method references</a:t>
+              <a:t>are four types of method references</a:t>
             </a:r>
             <a:r>
               <a:rPr lang="en-US" sz="1200" dirty="0" smtClean="0"/>
@@ -4340,8 +4347,19 @@
             </a:pPr>
             <a:r>
               <a:rPr lang="en-US" sz="1200" dirty="0"/>
-              <a:t>Reference to a constructor.</a:t>
-            </a:r>
+              <a:t>Reference to a constructor</a:t>
+            </a:r>
+            <a:r>
+              <a:rPr lang="en-US" sz="1200" dirty="0" smtClean="0"/>
+              <a:t>.</a:t>
+            </a:r>
+          </a:p>
+          <a:p>
+            <a:pPr marL="800100" lvl="1" indent="-342900">
+              <a:buFont typeface="+mj-lt"/>
+              <a:buAutoNum type="arabicPeriod"/>
+            </a:pPr>
+            <a:endParaRPr lang="en-US" sz="1200" dirty="0"/>
           </a:p>
           <a:p>
             <a:pPr marL="342900" indent="-342900" algn="ctr">

--- a/Later/Lambda/18.1/Java Method References.pptx
+++ b/Later/Lambda/18.1/Java Method References.pptx
@@ -193,7 +193,7 @@
           <a:p>
             <a:fld id="{62274EC6-3890-417B-9308-14EFBD00FA63}" type="datetimeFigureOut">
               <a:rPr lang="en-US" smtClean="0"/>
-              <a:t>3/9/2017</a:t>
+              <a:t>3/10/2017</a:t>
             </a:fld>
             <a:endParaRPr lang="en-US" dirty="0"/>
           </a:p>
@@ -821,7 +821,7 @@
             <a:fld id="{1D8BD707-D9CF-40AE-B4C6-C98DA3205C09}" type="datetimeFigureOut">
               <a:rPr lang="en-US" smtClean="0"/>
               <a:pPr/>
-              <a:t>3/9/2017</a:t>
+              <a:t>3/10/2017</a:t>
             </a:fld>
             <a:endParaRPr lang="en-US" dirty="0"/>
           </a:p>
@@ -993,7 +993,7 @@
             <a:fld id="{1D8BD707-D9CF-40AE-B4C6-C98DA3205C09}" type="datetimeFigureOut">
               <a:rPr lang="en-US" smtClean="0"/>
               <a:pPr/>
-              <a:t>3/9/2017</a:t>
+              <a:t>3/10/2017</a:t>
             </a:fld>
             <a:endParaRPr lang="en-US" dirty="0"/>
           </a:p>
@@ -1175,7 +1175,7 @@
             <a:fld id="{1D8BD707-D9CF-40AE-B4C6-C98DA3205C09}" type="datetimeFigureOut">
               <a:rPr lang="en-US" smtClean="0"/>
               <a:pPr/>
-              <a:t>3/9/2017</a:t>
+              <a:t>3/10/2017</a:t>
             </a:fld>
             <a:endParaRPr lang="en-US" dirty="0"/>
           </a:p>
@@ -1347,7 +1347,7 @@
             <a:fld id="{1D8BD707-D9CF-40AE-B4C6-C98DA3205C09}" type="datetimeFigureOut">
               <a:rPr lang="en-US" smtClean="0"/>
               <a:pPr/>
-              <a:t>3/9/2017</a:t>
+              <a:t>3/10/2017</a:t>
             </a:fld>
             <a:endParaRPr lang="en-US" dirty="0"/>
           </a:p>
@@ -1595,7 +1595,7 @@
             <a:fld id="{1D8BD707-D9CF-40AE-B4C6-C98DA3205C09}" type="datetimeFigureOut">
               <a:rPr lang="en-US" smtClean="0"/>
               <a:pPr/>
-              <a:t>3/9/2017</a:t>
+              <a:t>3/10/2017</a:t>
             </a:fld>
             <a:endParaRPr lang="en-US" dirty="0"/>
           </a:p>
@@ -1885,7 +1885,7 @@
             <a:fld id="{1D8BD707-D9CF-40AE-B4C6-C98DA3205C09}" type="datetimeFigureOut">
               <a:rPr lang="en-US" smtClean="0"/>
               <a:pPr/>
-              <a:t>3/9/2017</a:t>
+              <a:t>3/10/2017</a:t>
             </a:fld>
             <a:endParaRPr lang="en-US" dirty="0"/>
           </a:p>
@@ -2314,7 +2314,7 @@
             <a:fld id="{1D8BD707-D9CF-40AE-B4C6-C98DA3205C09}" type="datetimeFigureOut">
               <a:rPr lang="en-US" smtClean="0"/>
               <a:pPr/>
-              <a:t>3/9/2017</a:t>
+              <a:t>3/10/2017</a:t>
             </a:fld>
             <a:endParaRPr lang="en-US" dirty="0"/>
           </a:p>
@@ -2434,7 +2434,7 @@
             <a:fld id="{1D8BD707-D9CF-40AE-B4C6-C98DA3205C09}" type="datetimeFigureOut">
               <a:rPr lang="en-US" smtClean="0"/>
               <a:pPr/>
-              <a:t>3/9/2017</a:t>
+              <a:t>3/10/2017</a:t>
             </a:fld>
             <a:endParaRPr lang="en-US" dirty="0"/>
           </a:p>
@@ -2531,7 +2531,7 @@
             <a:fld id="{1D8BD707-D9CF-40AE-B4C6-C98DA3205C09}" type="datetimeFigureOut">
               <a:rPr lang="en-US" smtClean="0"/>
               <a:pPr/>
-              <a:t>3/9/2017</a:t>
+              <a:t>3/10/2017</a:t>
             </a:fld>
             <a:endParaRPr lang="en-US" dirty="0"/>
           </a:p>
@@ -2810,7 +2810,7 @@
             <a:fld id="{1D8BD707-D9CF-40AE-B4C6-C98DA3205C09}" type="datetimeFigureOut">
               <a:rPr lang="en-US" smtClean="0"/>
               <a:pPr/>
-              <a:t>3/9/2017</a:t>
+              <a:t>3/10/2017</a:t>
             </a:fld>
             <a:endParaRPr lang="en-US" dirty="0"/>
           </a:p>
@@ -3065,7 +3065,7 @@
             <a:fld id="{1D8BD707-D9CF-40AE-B4C6-C98DA3205C09}" type="datetimeFigureOut">
               <a:rPr lang="en-US" smtClean="0"/>
               <a:pPr/>
-              <a:t>3/9/2017</a:t>
+              <a:t>3/10/2017</a:t>
             </a:fld>
             <a:endParaRPr lang="en-US" dirty="0"/>
           </a:p>
@@ -3280,7 +3280,7 @@
             <a:fld id="{1D8BD707-D9CF-40AE-B4C6-C98DA3205C09}" type="datetimeFigureOut">
               <a:rPr lang="en-US" smtClean="0"/>
               <a:pPr/>
-              <a:t>3/9/2017</a:t>
+              <a:t>3/10/2017</a:t>
             </a:fld>
             <a:endParaRPr lang="en-US" dirty="0"/>
           </a:p>
@@ -3968,8 +3968,8 @@
         </p:nvCxnSpPr>
         <p:spPr>
           <a:xfrm rot="10800000">
-            <a:off x="1371601" y="2260478"/>
-            <a:ext cx="1052511" cy="635127"/>
+            <a:off x="1371602" y="2260479"/>
+            <a:ext cx="1052510" cy="635126"/>
           </a:xfrm>
           <a:prstGeom prst="bentConnector3">
             <a:avLst>
@@ -4040,6 +4040,39 @@
           </a:p>
         </p:txBody>
       </p:sp>
+      <p:cxnSp>
+        <p:nvCxnSpPr>
+          <p:cNvPr id="27" name="Elbow Connector 26"/>
+          <p:cNvCxnSpPr/>
+          <p:nvPr/>
+        </p:nvCxnSpPr>
+        <p:spPr>
+          <a:xfrm rot="16200000" flipV="1">
+            <a:off x="2438400" y="3048000"/>
+            <a:ext cx="914400" cy="762000"/>
+          </a:xfrm>
+          <a:prstGeom prst="bentConnector3">
+            <a:avLst/>
+          </a:prstGeom>
+          <a:ln>
+            <a:tailEnd type="arrow"/>
+          </a:ln>
+        </p:spPr>
+        <p:style>
+          <a:lnRef idx="2">
+            <a:schemeClr val="accent4"/>
+          </a:lnRef>
+          <a:fillRef idx="0">
+            <a:schemeClr val="accent4"/>
+          </a:fillRef>
+          <a:effectRef idx="1">
+            <a:schemeClr val="accent4"/>
+          </a:effectRef>
+          <a:fontRef idx="minor">
+            <a:schemeClr val="tx1"/>
+          </a:fontRef>
+        </p:style>
+      </p:cxnSp>
     </p:spTree>
     <p:extLst>
       <p:ext uri="{BB962C8B-B14F-4D97-AF65-F5344CB8AC3E}">
